--- a/docs/diagrams/StorageComponentClassDiagram.pptx
+++ b/docs/diagrams/StorageComponentClassDiagram.pptx
@@ -107,6 +107,22 @@
       </a:defRPr>
     </a:lvl9pPr>
   </p:defaultTextStyle>
+  <p:extLst>
+    <p:ext uri="{EFAFB233-063F-42B5-8137-9DF3F51BA10A}">
+      <p15:sldGuideLst xmlns:p15="http://schemas.microsoft.com/office/powerpoint/2012/main">
+        <p15:guide id="1" orient="horz" pos="1488">
+          <p15:clr>
+            <a:srgbClr val="A4A3A4"/>
+          </p15:clr>
+        </p15:guide>
+        <p15:guide id="2" pos="2880">
+          <p15:clr>
+            <a:srgbClr val="A4A3A4"/>
+          </p15:clr>
+        </p15:guide>
+      </p15:sldGuideLst>
+    </p:ext>
+  </p:extLst>
 </p:presentation>
 </file>
 
@@ -192,7 +208,7 @@
           <a:p>
             <a:fld id="{F5CC4B3F-88C1-4FFA-B1B6-F41C21DC6924}" type="datetimeFigureOut">
               <a:rPr lang="en-US" smtClean="0"/>
-              <a:t>10/16/2016</a:t>
+              <a:t>10/30/2018</a:t>
             </a:fld>
             <a:endParaRPr lang="en-US"/>
           </a:p>
@@ -256,38 +272,37 @@
           <a:p>
             <a:pPr lvl="0"/>
             <a:r>
-              <a:rPr lang="en-US" smtClean="0"/>
+              <a:rPr lang="en-US"/>
               <a:t>Click to edit Master text styles</a:t>
             </a:r>
           </a:p>
           <a:p>
             <a:pPr lvl="1"/>
             <a:r>
-              <a:rPr lang="en-US" smtClean="0"/>
+              <a:rPr lang="en-US"/>
               <a:t>Second level</a:t>
             </a:r>
           </a:p>
           <a:p>
             <a:pPr lvl="2"/>
             <a:r>
-              <a:rPr lang="en-US" smtClean="0"/>
+              <a:rPr lang="en-US"/>
               <a:t>Third level</a:t>
             </a:r>
           </a:p>
           <a:p>
             <a:pPr lvl="3"/>
             <a:r>
-              <a:rPr lang="en-US" smtClean="0"/>
+              <a:rPr lang="en-US"/>
               <a:t>Fourth level</a:t>
             </a:r>
           </a:p>
           <a:p>
             <a:pPr lvl="4"/>
             <a:r>
-              <a:rPr lang="en-US" smtClean="0"/>
+              <a:rPr lang="en-US"/>
               <a:t>Fifth level</a:t>
             </a:r>
-            <a:endParaRPr lang="en-US"/>
           </a:p>
         </p:txBody>
       </p:sp>
@@ -498,10 +513,9 @@
           <a:lstStyle/>
           <a:p>
             <a:r>
-              <a:rPr lang="en-US" smtClean="0"/>
+              <a:rPr lang="en-US"/>
               <a:t>Click to edit Master title style</a:t>
             </a:r>
-            <a:endParaRPr lang="en-US"/>
           </a:p>
         </p:txBody>
       </p:sp>
@@ -617,10 +631,9 @@
           </a:lstStyle>
           <a:p>
             <a:r>
-              <a:rPr lang="en-US" smtClean="0"/>
+              <a:rPr lang="en-US"/>
               <a:t>Click to edit Master subtitle style</a:t>
             </a:r>
-            <a:endParaRPr lang="en-US"/>
           </a:p>
         </p:txBody>
       </p:sp>
@@ -641,7 +654,7 @@
           <a:p>
             <a:fld id="{78C97017-6FC3-485B-9764-EAC9E56C1D49}" type="datetimeFigureOut">
               <a:rPr lang="en-US" smtClean="0"/>
-              <a:t>10/16/2016</a:t>
+              <a:t>10/30/2018</a:t>
             </a:fld>
             <a:endParaRPr lang="en-US"/>
           </a:p>
@@ -735,10 +748,9 @@
           <a:lstStyle/>
           <a:p>
             <a:r>
-              <a:rPr lang="en-US" smtClean="0"/>
+              <a:rPr lang="en-US"/>
               <a:t>Click to edit Master title style</a:t>
             </a:r>
-            <a:endParaRPr lang="en-US"/>
           </a:p>
         </p:txBody>
       </p:sp>
@@ -759,38 +771,37 @@
           <a:p>
             <a:pPr lvl="0"/>
             <a:r>
-              <a:rPr lang="en-US" smtClean="0"/>
+              <a:rPr lang="en-US"/>
               <a:t>Click to edit Master text styles</a:t>
             </a:r>
           </a:p>
           <a:p>
             <a:pPr lvl="1"/>
             <a:r>
-              <a:rPr lang="en-US" smtClean="0"/>
+              <a:rPr lang="en-US"/>
               <a:t>Second level</a:t>
             </a:r>
           </a:p>
           <a:p>
             <a:pPr lvl="2"/>
             <a:r>
-              <a:rPr lang="en-US" smtClean="0"/>
+              <a:rPr lang="en-US"/>
               <a:t>Third level</a:t>
             </a:r>
           </a:p>
           <a:p>
             <a:pPr lvl="3"/>
             <a:r>
-              <a:rPr lang="en-US" smtClean="0"/>
+              <a:rPr lang="en-US"/>
               <a:t>Fourth level</a:t>
             </a:r>
           </a:p>
           <a:p>
             <a:pPr lvl="4"/>
             <a:r>
-              <a:rPr lang="en-US" smtClean="0"/>
+              <a:rPr lang="en-US"/>
               <a:t>Fifth level</a:t>
             </a:r>
-            <a:endParaRPr lang="en-US"/>
           </a:p>
         </p:txBody>
       </p:sp>
@@ -811,7 +822,7 @@
           <a:p>
             <a:fld id="{78C97017-6FC3-485B-9764-EAC9E56C1D49}" type="datetimeFigureOut">
               <a:rPr lang="en-US" smtClean="0"/>
-              <a:t>10/16/2016</a:t>
+              <a:t>10/30/2018</a:t>
             </a:fld>
             <a:endParaRPr lang="en-US"/>
           </a:p>
@@ -910,10 +921,9 @@
           <a:lstStyle/>
           <a:p>
             <a:r>
-              <a:rPr lang="en-US" smtClean="0"/>
+              <a:rPr lang="en-US"/>
               <a:t>Click to edit Master title style</a:t>
             </a:r>
-            <a:endParaRPr lang="en-US"/>
           </a:p>
         </p:txBody>
       </p:sp>
@@ -939,38 +949,37 @@
           <a:p>
             <a:pPr lvl="0"/>
             <a:r>
-              <a:rPr lang="en-US" smtClean="0"/>
+              <a:rPr lang="en-US"/>
               <a:t>Click to edit Master text styles</a:t>
             </a:r>
           </a:p>
           <a:p>
             <a:pPr lvl="1"/>
             <a:r>
-              <a:rPr lang="en-US" smtClean="0"/>
+              <a:rPr lang="en-US"/>
               <a:t>Second level</a:t>
             </a:r>
           </a:p>
           <a:p>
             <a:pPr lvl="2"/>
             <a:r>
-              <a:rPr lang="en-US" smtClean="0"/>
+              <a:rPr lang="en-US"/>
               <a:t>Third level</a:t>
             </a:r>
           </a:p>
           <a:p>
             <a:pPr lvl="3"/>
             <a:r>
-              <a:rPr lang="en-US" smtClean="0"/>
+              <a:rPr lang="en-US"/>
               <a:t>Fourth level</a:t>
             </a:r>
           </a:p>
           <a:p>
             <a:pPr lvl="4"/>
             <a:r>
-              <a:rPr lang="en-US" smtClean="0"/>
+              <a:rPr lang="en-US"/>
               <a:t>Fifth level</a:t>
             </a:r>
-            <a:endParaRPr lang="en-US"/>
           </a:p>
         </p:txBody>
       </p:sp>
@@ -991,7 +1000,7 @@
           <a:p>
             <a:fld id="{78C97017-6FC3-485B-9764-EAC9E56C1D49}" type="datetimeFigureOut">
               <a:rPr lang="en-US" smtClean="0"/>
-              <a:t>10/16/2016</a:t>
+              <a:t>10/30/2018</a:t>
             </a:fld>
             <a:endParaRPr lang="en-US"/>
           </a:p>
@@ -1085,10 +1094,9 @@
           <a:lstStyle/>
           <a:p>
             <a:r>
-              <a:rPr lang="en-US" smtClean="0"/>
+              <a:rPr lang="en-US"/>
               <a:t>Click to edit Master title style</a:t>
             </a:r>
-            <a:endParaRPr lang="en-US"/>
           </a:p>
         </p:txBody>
       </p:sp>
@@ -1109,38 +1117,37 @@
           <a:p>
             <a:pPr lvl="0"/>
             <a:r>
-              <a:rPr lang="en-US" smtClean="0"/>
+              <a:rPr lang="en-US"/>
               <a:t>Click to edit Master text styles</a:t>
             </a:r>
           </a:p>
           <a:p>
             <a:pPr lvl="1"/>
             <a:r>
-              <a:rPr lang="en-US" smtClean="0"/>
+              <a:rPr lang="en-US"/>
               <a:t>Second level</a:t>
             </a:r>
           </a:p>
           <a:p>
             <a:pPr lvl="2"/>
             <a:r>
-              <a:rPr lang="en-US" smtClean="0"/>
+              <a:rPr lang="en-US"/>
               <a:t>Third level</a:t>
             </a:r>
           </a:p>
           <a:p>
             <a:pPr lvl="3"/>
             <a:r>
-              <a:rPr lang="en-US" smtClean="0"/>
+              <a:rPr lang="en-US"/>
               <a:t>Fourth level</a:t>
             </a:r>
           </a:p>
           <a:p>
             <a:pPr lvl="4"/>
             <a:r>
-              <a:rPr lang="en-US" smtClean="0"/>
+              <a:rPr lang="en-US"/>
               <a:t>Fifth level</a:t>
             </a:r>
-            <a:endParaRPr lang="en-US"/>
           </a:p>
         </p:txBody>
       </p:sp>
@@ -1161,7 +1168,7 @@
           <a:p>
             <a:fld id="{78C97017-6FC3-485B-9764-EAC9E56C1D49}" type="datetimeFigureOut">
               <a:rPr lang="en-US" smtClean="0"/>
-              <a:t>10/16/2016</a:t>
+              <a:t>10/30/2018</a:t>
             </a:fld>
             <a:endParaRPr lang="en-US"/>
           </a:p>
@@ -1264,10 +1271,9 @@
           </a:lstStyle>
           <a:p>
             <a:r>
-              <a:rPr lang="en-US" smtClean="0"/>
+              <a:rPr lang="en-US"/>
               <a:t>Click to edit Master title style</a:t>
             </a:r>
-            <a:endParaRPr lang="en-US"/>
           </a:p>
         </p:txBody>
       </p:sp>
@@ -1384,7 +1390,7 @@
           <a:p>
             <a:pPr lvl="0"/>
             <a:r>
-              <a:rPr lang="en-US" smtClean="0"/>
+              <a:rPr lang="en-US"/>
               <a:t>Click to edit Master text styles</a:t>
             </a:r>
           </a:p>
@@ -1407,7 +1413,7 @@
           <a:p>
             <a:fld id="{78C97017-6FC3-485B-9764-EAC9E56C1D49}" type="datetimeFigureOut">
               <a:rPr lang="en-US" smtClean="0"/>
-              <a:t>10/16/2016</a:t>
+              <a:t>10/30/2018</a:t>
             </a:fld>
             <a:endParaRPr lang="en-US"/>
           </a:p>
@@ -1501,10 +1507,9 @@
           <a:lstStyle/>
           <a:p>
             <a:r>
-              <a:rPr lang="en-US" smtClean="0"/>
+              <a:rPr lang="en-US"/>
               <a:t>Click to edit Master title style</a:t>
             </a:r>
-            <a:endParaRPr lang="en-US"/>
           </a:p>
         </p:txBody>
       </p:sp>
@@ -1558,38 +1563,37 @@
           <a:p>
             <a:pPr lvl="0"/>
             <a:r>
-              <a:rPr lang="en-US" smtClean="0"/>
+              <a:rPr lang="en-US"/>
               <a:t>Click to edit Master text styles</a:t>
             </a:r>
           </a:p>
           <a:p>
             <a:pPr lvl="1"/>
             <a:r>
-              <a:rPr lang="en-US" smtClean="0"/>
+              <a:rPr lang="en-US"/>
               <a:t>Second level</a:t>
             </a:r>
           </a:p>
           <a:p>
             <a:pPr lvl="2"/>
             <a:r>
-              <a:rPr lang="en-US" smtClean="0"/>
+              <a:rPr lang="en-US"/>
               <a:t>Third level</a:t>
             </a:r>
           </a:p>
           <a:p>
             <a:pPr lvl="3"/>
             <a:r>
-              <a:rPr lang="en-US" smtClean="0"/>
+              <a:rPr lang="en-US"/>
               <a:t>Fourth level</a:t>
             </a:r>
           </a:p>
           <a:p>
             <a:pPr lvl="4"/>
             <a:r>
-              <a:rPr lang="en-US" smtClean="0"/>
+              <a:rPr lang="en-US"/>
               <a:t>Fifth level</a:t>
             </a:r>
-            <a:endParaRPr lang="en-US"/>
           </a:p>
         </p:txBody>
       </p:sp>
@@ -1643,38 +1647,37 @@
           <a:p>
             <a:pPr lvl="0"/>
             <a:r>
-              <a:rPr lang="en-US" smtClean="0"/>
+              <a:rPr lang="en-US"/>
               <a:t>Click to edit Master text styles</a:t>
             </a:r>
           </a:p>
           <a:p>
             <a:pPr lvl="1"/>
             <a:r>
-              <a:rPr lang="en-US" smtClean="0"/>
+              <a:rPr lang="en-US"/>
               <a:t>Second level</a:t>
             </a:r>
           </a:p>
           <a:p>
             <a:pPr lvl="2"/>
             <a:r>
-              <a:rPr lang="en-US" smtClean="0"/>
+              <a:rPr lang="en-US"/>
               <a:t>Third level</a:t>
             </a:r>
           </a:p>
           <a:p>
             <a:pPr lvl="3"/>
             <a:r>
-              <a:rPr lang="en-US" smtClean="0"/>
+              <a:rPr lang="en-US"/>
               <a:t>Fourth level</a:t>
             </a:r>
           </a:p>
           <a:p>
             <a:pPr lvl="4"/>
             <a:r>
-              <a:rPr lang="en-US" smtClean="0"/>
+              <a:rPr lang="en-US"/>
               <a:t>Fifth level</a:t>
             </a:r>
-            <a:endParaRPr lang="en-US"/>
           </a:p>
         </p:txBody>
       </p:sp>
@@ -1695,7 +1698,7 @@
           <a:p>
             <a:fld id="{78C97017-6FC3-485B-9764-EAC9E56C1D49}" type="datetimeFigureOut">
               <a:rPr lang="en-US" smtClean="0"/>
-              <a:t>10/16/2016</a:t>
+              <a:t>10/30/2018</a:t>
             </a:fld>
             <a:endParaRPr lang="en-US"/>
           </a:p>
@@ -1793,10 +1796,9 @@
           </a:lstStyle>
           <a:p>
             <a:r>
-              <a:rPr lang="en-US" smtClean="0"/>
+              <a:rPr lang="en-US"/>
               <a:t>Click to edit Master title style</a:t>
             </a:r>
-            <a:endParaRPr lang="en-US"/>
           </a:p>
         </p:txBody>
       </p:sp>
@@ -1859,7 +1861,7 @@
           <a:p>
             <a:pPr lvl="0"/>
             <a:r>
-              <a:rPr lang="en-US" smtClean="0"/>
+              <a:rPr lang="en-US"/>
               <a:t>Click to edit Master text styles</a:t>
             </a:r>
           </a:p>
@@ -1915,38 +1917,37 @@
           <a:p>
             <a:pPr lvl="0"/>
             <a:r>
-              <a:rPr lang="en-US" smtClean="0"/>
+              <a:rPr lang="en-US"/>
               <a:t>Click to edit Master text styles</a:t>
             </a:r>
           </a:p>
           <a:p>
             <a:pPr lvl="1"/>
             <a:r>
-              <a:rPr lang="en-US" smtClean="0"/>
+              <a:rPr lang="en-US"/>
               <a:t>Second level</a:t>
             </a:r>
           </a:p>
           <a:p>
             <a:pPr lvl="2"/>
             <a:r>
-              <a:rPr lang="en-US" smtClean="0"/>
+              <a:rPr lang="en-US"/>
               <a:t>Third level</a:t>
             </a:r>
           </a:p>
           <a:p>
             <a:pPr lvl="3"/>
             <a:r>
-              <a:rPr lang="en-US" smtClean="0"/>
+              <a:rPr lang="en-US"/>
               <a:t>Fourth level</a:t>
             </a:r>
           </a:p>
           <a:p>
             <a:pPr lvl="4"/>
             <a:r>
-              <a:rPr lang="en-US" smtClean="0"/>
+              <a:rPr lang="en-US"/>
               <a:t>Fifth level</a:t>
             </a:r>
-            <a:endParaRPr lang="en-US"/>
           </a:p>
         </p:txBody>
       </p:sp>
@@ -2009,7 +2010,7 @@
           <a:p>
             <a:pPr lvl="0"/>
             <a:r>
-              <a:rPr lang="en-US" smtClean="0"/>
+              <a:rPr lang="en-US"/>
               <a:t>Click to edit Master text styles</a:t>
             </a:r>
           </a:p>
@@ -2065,38 +2066,37 @@
           <a:p>
             <a:pPr lvl="0"/>
             <a:r>
-              <a:rPr lang="en-US" smtClean="0"/>
+              <a:rPr lang="en-US"/>
               <a:t>Click to edit Master text styles</a:t>
             </a:r>
           </a:p>
           <a:p>
             <a:pPr lvl="1"/>
             <a:r>
-              <a:rPr lang="en-US" smtClean="0"/>
+              <a:rPr lang="en-US"/>
               <a:t>Second level</a:t>
             </a:r>
           </a:p>
           <a:p>
             <a:pPr lvl="2"/>
             <a:r>
-              <a:rPr lang="en-US" smtClean="0"/>
+              <a:rPr lang="en-US"/>
               <a:t>Third level</a:t>
             </a:r>
           </a:p>
           <a:p>
             <a:pPr lvl="3"/>
             <a:r>
-              <a:rPr lang="en-US" smtClean="0"/>
+              <a:rPr lang="en-US"/>
               <a:t>Fourth level</a:t>
             </a:r>
           </a:p>
           <a:p>
             <a:pPr lvl="4"/>
             <a:r>
-              <a:rPr lang="en-US" smtClean="0"/>
+              <a:rPr lang="en-US"/>
               <a:t>Fifth level</a:t>
             </a:r>
-            <a:endParaRPr lang="en-US"/>
           </a:p>
         </p:txBody>
       </p:sp>
@@ -2117,7 +2117,7 @@
           <a:p>
             <a:fld id="{78C97017-6FC3-485B-9764-EAC9E56C1D49}" type="datetimeFigureOut">
               <a:rPr lang="en-US" smtClean="0"/>
-              <a:t>10/16/2016</a:t>
+              <a:t>10/30/2018</a:t>
             </a:fld>
             <a:endParaRPr lang="en-US"/>
           </a:p>
@@ -2211,10 +2211,9 @@
           <a:lstStyle/>
           <a:p>
             <a:r>
-              <a:rPr lang="en-US" smtClean="0"/>
+              <a:rPr lang="en-US"/>
               <a:t>Click to edit Master title style</a:t>
             </a:r>
-            <a:endParaRPr lang="en-US"/>
           </a:p>
         </p:txBody>
       </p:sp>
@@ -2235,7 +2234,7 @@
           <a:p>
             <a:fld id="{78C97017-6FC3-485B-9764-EAC9E56C1D49}" type="datetimeFigureOut">
               <a:rPr lang="en-US" smtClean="0"/>
-              <a:t>10/16/2016</a:t>
+              <a:t>10/30/2018</a:t>
             </a:fld>
             <a:endParaRPr lang="en-US"/>
           </a:p>
@@ -2330,7 +2329,7 @@
           <a:p>
             <a:fld id="{78C97017-6FC3-485B-9764-EAC9E56C1D49}" type="datetimeFigureOut">
               <a:rPr lang="en-US" smtClean="0"/>
-              <a:t>10/16/2016</a:t>
+              <a:t>10/30/2018</a:t>
             </a:fld>
             <a:endParaRPr lang="en-US"/>
           </a:p>
@@ -2433,10 +2432,9 @@
           </a:lstStyle>
           <a:p>
             <a:r>
-              <a:rPr lang="en-US" smtClean="0"/>
+              <a:rPr lang="en-US"/>
               <a:t>Click to edit Master title style</a:t>
             </a:r>
-            <a:endParaRPr lang="en-US"/>
           </a:p>
         </p:txBody>
       </p:sp>
@@ -2490,38 +2488,37 @@
           <a:p>
             <a:pPr lvl="0"/>
             <a:r>
-              <a:rPr lang="en-US" smtClean="0"/>
+              <a:rPr lang="en-US"/>
               <a:t>Click to edit Master text styles</a:t>
             </a:r>
           </a:p>
           <a:p>
             <a:pPr lvl="1"/>
             <a:r>
-              <a:rPr lang="en-US" smtClean="0"/>
+              <a:rPr lang="en-US"/>
               <a:t>Second level</a:t>
             </a:r>
           </a:p>
           <a:p>
             <a:pPr lvl="2"/>
             <a:r>
-              <a:rPr lang="en-US" smtClean="0"/>
+              <a:rPr lang="en-US"/>
               <a:t>Third level</a:t>
             </a:r>
           </a:p>
           <a:p>
             <a:pPr lvl="3"/>
             <a:r>
-              <a:rPr lang="en-US" smtClean="0"/>
+              <a:rPr lang="en-US"/>
               <a:t>Fourth level</a:t>
             </a:r>
           </a:p>
           <a:p>
             <a:pPr lvl="4"/>
             <a:r>
-              <a:rPr lang="en-US" smtClean="0"/>
+              <a:rPr lang="en-US"/>
               <a:t>Fifth level</a:t>
             </a:r>
-            <a:endParaRPr lang="en-US"/>
           </a:p>
         </p:txBody>
       </p:sp>
@@ -2584,7 +2581,7 @@
           <a:p>
             <a:pPr lvl="0"/>
             <a:r>
-              <a:rPr lang="en-US" smtClean="0"/>
+              <a:rPr lang="en-US"/>
               <a:t>Click to edit Master text styles</a:t>
             </a:r>
           </a:p>
@@ -2607,7 +2604,7 @@
           <a:p>
             <a:fld id="{78C97017-6FC3-485B-9764-EAC9E56C1D49}" type="datetimeFigureOut">
               <a:rPr lang="en-US" smtClean="0"/>
-              <a:t>10/16/2016</a:t>
+              <a:t>10/30/2018</a:t>
             </a:fld>
             <a:endParaRPr lang="en-US"/>
           </a:p>
@@ -2710,10 +2707,9 @@
           </a:lstStyle>
           <a:p>
             <a:r>
-              <a:rPr lang="en-US" smtClean="0"/>
+              <a:rPr lang="en-US"/>
               <a:t>Click to edit Master title style</a:t>
             </a:r>
-            <a:endParaRPr lang="en-US"/>
           </a:p>
         </p:txBody>
       </p:sp>
@@ -2837,7 +2833,7 @@
           <a:p>
             <a:pPr lvl="0"/>
             <a:r>
-              <a:rPr lang="en-US" smtClean="0"/>
+              <a:rPr lang="en-US"/>
               <a:t>Click to edit Master text styles</a:t>
             </a:r>
           </a:p>
@@ -2860,7 +2856,7 @@
           <a:p>
             <a:fld id="{78C97017-6FC3-485B-9764-EAC9E56C1D49}" type="datetimeFigureOut">
               <a:rPr lang="en-US" smtClean="0"/>
-              <a:t>10/16/2016</a:t>
+              <a:t>10/30/2018</a:t>
             </a:fld>
             <a:endParaRPr lang="en-US"/>
           </a:p>
@@ -2969,10 +2965,9 @@
           <a:lstStyle/>
           <a:p>
             <a:r>
-              <a:rPr lang="en-US" smtClean="0"/>
+              <a:rPr lang="en-US"/>
               <a:t>Click to edit Master title style</a:t>
             </a:r>
-            <a:endParaRPr lang="en-US"/>
           </a:p>
         </p:txBody>
       </p:sp>
@@ -3003,38 +2998,37 @@
           <a:p>
             <a:pPr lvl="0"/>
             <a:r>
-              <a:rPr lang="en-US" smtClean="0"/>
+              <a:rPr lang="en-US"/>
               <a:t>Click to edit Master text styles</a:t>
             </a:r>
           </a:p>
           <a:p>
             <a:pPr lvl="1"/>
             <a:r>
-              <a:rPr lang="en-US" smtClean="0"/>
+              <a:rPr lang="en-US"/>
               <a:t>Second level</a:t>
             </a:r>
           </a:p>
           <a:p>
             <a:pPr lvl="2"/>
             <a:r>
-              <a:rPr lang="en-US" smtClean="0"/>
+              <a:rPr lang="en-US"/>
               <a:t>Third level</a:t>
             </a:r>
           </a:p>
           <a:p>
             <a:pPr lvl="3"/>
             <a:r>
-              <a:rPr lang="en-US" smtClean="0"/>
+              <a:rPr lang="en-US"/>
               <a:t>Fourth level</a:t>
             </a:r>
           </a:p>
           <a:p>
             <a:pPr lvl="4"/>
             <a:r>
-              <a:rPr lang="en-US" smtClean="0"/>
+              <a:rPr lang="en-US"/>
               <a:t>Fifth level</a:t>
             </a:r>
-            <a:endParaRPr lang="en-US"/>
           </a:p>
         </p:txBody>
       </p:sp>
@@ -3073,7 +3067,7 @@
           <a:p>
             <a:fld id="{78C97017-6FC3-485B-9764-EAC9E56C1D49}" type="datetimeFigureOut">
               <a:rPr lang="en-US" smtClean="0"/>
-              <a:t>10/16/2016</a:t>
+              <a:t>10/30/2018</a:t>
             </a:fld>
             <a:endParaRPr lang="en-US"/>
           </a:p>
@@ -3456,8 +3450,8 @@
         </p:nvSpPr>
         <p:spPr>
           <a:xfrm>
-            <a:off x="1119865" y="2086382"/>
-            <a:ext cx="7871735" cy="1723618"/>
+            <a:off x="237096" y="1912984"/>
+            <a:ext cx="8678304" cy="4030616"/>
           </a:xfrm>
           <a:prstGeom prst="roundRect">
             <a:avLst>
@@ -3494,7 +3488,7 @@
           <a:lstStyle/>
           <a:p>
             <a:r>
-              <a:rPr lang="en-US" sz="1200" b="1" dirty="0" smtClean="0">
+              <a:rPr lang="en-US" sz="1200" b="1" dirty="0">
                 <a:solidFill>
                   <a:schemeClr val="accent6">
                     <a:lumMod val="75000"/>
@@ -3521,8 +3515,8 @@
         </p:nvSpPr>
         <p:spPr>
           <a:xfrm>
-            <a:off x="2877180" y="3158440"/>
-            <a:ext cx="1323049" cy="346760"/>
+            <a:off x="1967089" y="3068880"/>
+            <a:ext cx="1323049" cy="520140"/>
           </a:xfrm>
           <a:prstGeom prst="rect">
             <a:avLst/>
@@ -3561,7 +3555,7 @@
           <a:p>
             <a:pPr algn="ctr"/>
             <a:r>
-              <a:rPr lang="en-US" sz="1050" dirty="0" smtClean="0">
+              <a:rPr lang="en-US" sz="1050" dirty="0">
                 <a:solidFill>
                   <a:schemeClr val="bg1"/>
                 </a:solidFill>
@@ -3569,19 +3563,35 @@
               <a:t>&lt;&lt;interface&gt;&gt;</a:t>
             </a:r>
             <a:br>
-              <a:rPr lang="en-US" sz="1050" dirty="0" smtClean="0">
+              <a:rPr lang="en-US" sz="1050" dirty="0">
                 <a:solidFill>
                   <a:schemeClr val="bg1"/>
                 </a:solidFill>
               </a:rPr>
             </a:br>
             <a:r>
-              <a:rPr lang="en-US" sz="1050" dirty="0" err="1" smtClean="0">
+              <a:rPr lang="en-US" sz="1050" dirty="0" err="1">
                 <a:solidFill>
                   <a:schemeClr val="bg1"/>
                 </a:solidFill>
               </a:rPr>
-              <a:t>AddressBookStorage</a:t>
+              <a:t>SuperTa</a:t>
+            </a:r>
+            <a:endParaRPr lang="en-US" sz="1050" dirty="0">
+              <a:solidFill>
+                <a:schemeClr val="bg1"/>
+              </a:solidFill>
+            </a:endParaRPr>
+          </a:p>
+          <a:p>
+            <a:pPr algn="ctr"/>
+            <a:r>
+              <a:rPr lang="en-US" sz="1050" dirty="0" err="1">
+                <a:solidFill>
+                  <a:schemeClr val="bg1"/>
+                </a:solidFill>
+              </a:rPr>
+              <a:t>ClientStorage</a:t>
             </a:r>
             <a:endParaRPr lang="en-SG" sz="1050" dirty="0">
               <a:solidFill>
@@ -3599,7 +3609,7 @@
         </p:nvSpPr>
         <p:spPr>
           <a:xfrm rot="16200000">
-            <a:off x="1683963" y="2868687"/>
+            <a:off x="773872" y="2868687"/>
             <a:ext cx="1093635" cy="346760"/>
           </a:xfrm>
           <a:prstGeom prst="rect">
@@ -3639,7 +3649,7 @@
           <a:p>
             <a:pPr algn="ctr"/>
             <a:r>
-              <a:rPr lang="en-US" sz="1050" dirty="0" err="1" smtClean="0">
+              <a:rPr lang="en-US" sz="1050" dirty="0" err="1">
                 <a:solidFill>
                   <a:schemeClr val="bg1"/>
                 </a:solidFill>
@@ -3662,7 +3672,7 @@
         </p:nvSpPr>
         <p:spPr>
           <a:xfrm rot="16200000">
-            <a:off x="956202" y="2861202"/>
+            <a:off x="46111" y="2861202"/>
             <a:ext cx="1093635" cy="346760"/>
           </a:xfrm>
           <a:prstGeom prst="rect">
@@ -3713,7 +3723,7 @@
           <a:p>
             <a:pPr algn="ctr"/>
             <a:r>
-              <a:rPr lang="en-US" sz="1050" dirty="0" smtClean="0">
+              <a:rPr lang="en-US" sz="1050" dirty="0">
                 <a:solidFill>
                   <a:schemeClr val="bg1"/>
                 </a:solidFill>
@@ -3736,7 +3746,7 @@
         </p:nvSpPr>
         <p:spPr>
           <a:xfrm rot="16200000">
-            <a:off x="1626910" y="2952291"/>
+            <a:off x="716819" y="2952291"/>
             <a:ext cx="270504" cy="175523"/>
           </a:xfrm>
           <a:prstGeom prst="triangle">
@@ -3787,6 +3797,7 @@
         <p:nvCxnSpPr>
           <p:cNvPr id="58" name="Straight Arrow Connector 57"/>
           <p:cNvCxnSpPr>
+            <a:cxnSpLocks/>
             <a:stCxn id="42" idx="3"/>
             <a:endCxn id="2" idx="1"/>
           </p:cNvCxnSpPr>
@@ -3794,8 +3805,8 @@
         </p:nvCxnSpPr>
         <p:spPr>
           <a:xfrm>
-            <a:off x="2656370" y="3326536"/>
-            <a:ext cx="220810" cy="5284"/>
+            <a:off x="1746279" y="3326536"/>
+            <a:ext cx="220810" cy="2414"/>
           </a:xfrm>
           <a:prstGeom prst="straightConnector1">
             <a:avLst/>
@@ -3834,7 +3845,7 @@
         </p:nvCxnSpPr>
         <p:spPr>
           <a:xfrm>
-            <a:off x="910091" y="3040053"/>
+            <a:off x="0" y="3040053"/>
             <a:ext cx="419548" cy="2860"/>
           </a:xfrm>
           <a:prstGeom prst="bentConnector3">
@@ -3879,7 +3890,7 @@
         </p:nvCxnSpPr>
         <p:spPr>
           <a:xfrm flipV="1">
-            <a:off x="1849924" y="3040052"/>
+            <a:off x="939833" y="3040052"/>
             <a:ext cx="216105" cy="1"/>
           </a:xfrm>
           <a:prstGeom prst="line">
@@ -3920,7 +3931,7 @@
         </p:nvSpPr>
         <p:spPr>
           <a:xfrm>
-            <a:off x="2420322" y="3239846"/>
+            <a:off x="1510231" y="3239846"/>
             <a:ext cx="236048" cy="173380"/>
           </a:xfrm>
           <a:prstGeom prst="flowChartDecision">
@@ -3974,7 +3985,7 @@
         </p:nvCxnSpPr>
         <p:spPr>
           <a:xfrm flipV="1">
-            <a:off x="4398041" y="3331820"/>
+            <a:off x="3487950" y="3331820"/>
             <a:ext cx="223324" cy="1"/>
           </a:xfrm>
           <a:prstGeom prst="bentConnector3">
@@ -4017,7 +4028,7 @@
         </p:nvSpPr>
         <p:spPr>
           <a:xfrm rot="5400000" flipV="1">
-            <a:off x="4175027" y="3244059"/>
+            <a:off x="3264936" y="3244059"/>
             <a:ext cx="270504" cy="175523"/>
           </a:xfrm>
           <a:prstGeom prst="triangle">
@@ -4075,7 +4086,7 @@
         </p:nvCxnSpPr>
         <p:spPr>
           <a:xfrm>
-            <a:off x="5791200" y="3331820"/>
+            <a:off x="4881109" y="3331820"/>
             <a:ext cx="228600" cy="1970"/>
           </a:xfrm>
           <a:prstGeom prst="bentConnector3">
@@ -4118,7 +4129,7 @@
         </p:nvSpPr>
         <p:spPr>
           <a:xfrm>
-            <a:off x="4621365" y="3158440"/>
+            <a:off x="3711274" y="3158440"/>
             <a:ext cx="1169835" cy="346760"/>
           </a:xfrm>
           <a:prstGeom prst="rect">
@@ -4147,43 +4158,34 @@
           <a:p>
             <a:pPr algn="ctr"/>
             <a:r>
-              <a:rPr lang="en-US" sz="1050" b="1" dirty="0" err="1" smtClean="0">
+              <a:rPr lang="en-US" sz="1050" b="1" dirty="0" err="1">
                 <a:solidFill>
                   <a:schemeClr val="accent6">
                     <a:lumMod val="75000"/>
                   </a:schemeClr>
                 </a:solidFill>
               </a:rPr>
-              <a:t>XmlAddressBook</a:t>
-            </a:r>
-            <a:r>
-              <a:rPr lang="en-US" sz="1050" b="1" dirty="0" smtClean="0">
+              <a:t>XmlSuperTa</a:t>
+            </a:r>
+            <a:endParaRPr lang="en-US" sz="1050" b="1" dirty="0">
+              <a:solidFill>
+                <a:schemeClr val="accent6">
+                  <a:lumMod val="75000"/>
+                </a:schemeClr>
+              </a:solidFill>
+            </a:endParaRPr>
+          </a:p>
+          <a:p>
+            <a:pPr algn="ctr"/>
+            <a:r>
+              <a:rPr lang="en-US" sz="1050" b="1" dirty="0" err="1">
                 <a:solidFill>
                   <a:schemeClr val="accent6">
                     <a:lumMod val="75000"/>
                   </a:schemeClr>
                 </a:solidFill>
               </a:rPr>
-              <a:t/>
-            </a:r>
-            <a:br>
-              <a:rPr lang="en-US" sz="1050" b="1" dirty="0" smtClean="0">
-                <a:solidFill>
-                  <a:schemeClr val="accent6">
-                    <a:lumMod val="75000"/>
-                  </a:schemeClr>
-                </a:solidFill>
-              </a:rPr>
-            </a:br>
-            <a:r>
-              <a:rPr lang="en-US" sz="1050" b="1" dirty="0" smtClean="0">
-                <a:solidFill>
-                  <a:schemeClr val="accent6">
-                    <a:lumMod val="75000"/>
-                  </a:schemeClr>
-                </a:solidFill>
-              </a:rPr>
-              <a:t>Storage</a:t>
+              <a:t>ClientStorage</a:t>
             </a:r>
             <a:endParaRPr lang="en-SG" sz="1050" b="1" dirty="0">
               <a:solidFill>
@@ -4203,7 +4205,7 @@
         </p:nvSpPr>
         <p:spPr>
           <a:xfrm>
-            <a:off x="2873943" y="2558040"/>
+            <a:off x="1963852" y="2558040"/>
             <a:ext cx="1323049" cy="346760"/>
           </a:xfrm>
           <a:prstGeom prst="rect">
@@ -4243,7 +4245,7 @@
           <a:p>
             <a:pPr algn="ctr"/>
             <a:r>
-              <a:rPr lang="en-US" sz="1050" dirty="0" smtClean="0">
+              <a:rPr lang="en-US" sz="1050" dirty="0">
                 <a:solidFill>
                   <a:schemeClr val="bg1"/>
                 </a:solidFill>
@@ -4251,14 +4253,14 @@
               <a:t>&lt;&lt;interface&gt;&gt;</a:t>
             </a:r>
             <a:br>
-              <a:rPr lang="en-US" sz="1050" dirty="0" smtClean="0">
+              <a:rPr lang="en-US" sz="1050" dirty="0">
                 <a:solidFill>
                   <a:schemeClr val="bg1"/>
                 </a:solidFill>
               </a:rPr>
             </a:br>
             <a:r>
-              <a:rPr lang="en-US" sz="1050" dirty="0" err="1" smtClean="0">
+              <a:rPr lang="en-US" sz="1050" dirty="0" err="1">
                 <a:solidFill>
                   <a:schemeClr val="bg1"/>
                 </a:solidFill>
@@ -4284,7 +4286,7 @@
         </p:nvCxnSpPr>
         <p:spPr>
           <a:xfrm>
-            <a:off x="2653133" y="2726136"/>
+            <a:off x="1743042" y="2726136"/>
             <a:ext cx="220810" cy="5284"/>
           </a:xfrm>
           <a:prstGeom prst="straightConnector1">
@@ -4324,7 +4326,7 @@
         </p:nvSpPr>
         <p:spPr>
           <a:xfrm>
-            <a:off x="2417085" y="2639446"/>
+            <a:off x="1506994" y="2639446"/>
             <a:ext cx="236048" cy="173380"/>
           </a:xfrm>
           <a:prstGeom prst="flowChartDecision">
@@ -4378,7 +4380,7 @@
         </p:nvCxnSpPr>
         <p:spPr>
           <a:xfrm flipV="1">
-            <a:off x="4394804" y="2731420"/>
+            <a:off x="3484713" y="2731420"/>
             <a:ext cx="223324" cy="1"/>
           </a:xfrm>
           <a:prstGeom prst="bentConnector3">
@@ -4421,7 +4423,7 @@
         </p:nvSpPr>
         <p:spPr>
           <a:xfrm rot="5400000" flipV="1">
-            <a:off x="4171790" y="2643659"/>
+            <a:off x="3261699" y="2643659"/>
             <a:ext cx="270504" cy="175523"/>
           </a:xfrm>
           <a:prstGeom prst="triangle">
@@ -4476,7 +4478,7 @@
         </p:nvSpPr>
         <p:spPr>
           <a:xfrm>
-            <a:off x="4618128" y="2558040"/>
+            <a:off x="3708037" y="2558040"/>
             <a:ext cx="1093635" cy="346760"/>
           </a:xfrm>
           <a:prstGeom prst="rect">
@@ -4516,30 +4518,22 @@
           <a:p>
             <a:pPr algn="ctr"/>
             <a:r>
-              <a:rPr lang="en-US" sz="1050" dirty="0" err="1" smtClean="0">
+              <a:rPr lang="en-US" sz="1050" dirty="0" err="1">
                 <a:solidFill>
                   <a:schemeClr val="bg1"/>
                 </a:solidFill>
               </a:rPr>
               <a:t>JsonUserPrefs</a:t>
             </a:r>
-            <a:r>
-              <a:rPr lang="en-US" sz="1050" dirty="0" smtClean="0">
-                <a:solidFill>
-                  <a:schemeClr val="bg1"/>
-                </a:solidFill>
-              </a:rPr>
-              <a:t/>
-            </a:r>
             <a:br>
-              <a:rPr lang="en-US" sz="1050" dirty="0" smtClean="0">
+              <a:rPr lang="en-US" sz="1050" dirty="0">
                 <a:solidFill>
                   <a:schemeClr val="bg1"/>
                 </a:solidFill>
               </a:rPr>
             </a:br>
             <a:r>
-              <a:rPr lang="en-US" sz="1050" dirty="0" smtClean="0">
+              <a:rPr lang="en-US" sz="1050" dirty="0">
                 <a:solidFill>
                   <a:schemeClr val="bg1"/>
                 </a:solidFill>
@@ -4562,7 +4556,7 @@
         </p:nvSpPr>
         <p:spPr>
           <a:xfrm>
-            <a:off x="6019800" y="3160410"/>
+            <a:off x="5109709" y="3160410"/>
             <a:ext cx="1200707" cy="346760"/>
           </a:xfrm>
           <a:prstGeom prst="rect">
@@ -4591,7 +4585,7 @@
           <a:p>
             <a:pPr algn="ctr"/>
             <a:r>
-              <a:rPr lang="en-US" sz="1050" b="1" dirty="0" err="1" smtClean="0">
+              <a:rPr lang="en-US" sz="1050" b="1" dirty="0" err="1">
                 <a:solidFill>
                   <a:schemeClr val="accent6">
                     <a:lumMod val="75000"/>
@@ -4600,18 +4594,8 @@
               </a:rPr>
               <a:t>XmlSerializable</a:t>
             </a:r>
-            <a:r>
-              <a:rPr lang="en-US" sz="1050" b="1" dirty="0" smtClean="0">
-                <a:solidFill>
-                  <a:schemeClr val="accent6">
-                    <a:lumMod val="75000"/>
-                  </a:schemeClr>
-                </a:solidFill>
-              </a:rPr>
-              <a:t/>
-            </a:r>
             <a:br>
-              <a:rPr lang="en-US" sz="1050" b="1" dirty="0" smtClean="0">
+              <a:rPr lang="en-US" sz="1050" b="1" dirty="0">
                 <a:solidFill>
                   <a:schemeClr val="accent6">
                     <a:lumMod val="75000"/>
@@ -4620,14 +4604,14 @@
               </a:rPr>
             </a:br>
             <a:r>
-              <a:rPr lang="en-US" sz="1050" b="1" dirty="0" err="1" smtClean="0">
+              <a:rPr lang="en-US" sz="1050" b="1" dirty="0" err="1">
                 <a:solidFill>
                   <a:schemeClr val="accent6">
                     <a:lumMod val="75000"/>
                   </a:schemeClr>
                 </a:solidFill>
               </a:rPr>
-              <a:t>AddressBook</a:t>
+              <a:t>SuperTaClient</a:t>
             </a:r>
             <a:endParaRPr lang="en-SG" sz="1050" b="1" dirty="0">
               <a:solidFill>
@@ -4650,8 +4634,8 @@
         </p:nvCxnSpPr>
         <p:spPr>
           <a:xfrm rot="5400000" flipH="1" flipV="1">
-            <a:off x="8077993" y="2992020"/>
-            <a:ext cx="335208" cy="12700"/>
+            <a:off x="7499731" y="2176759"/>
+            <a:ext cx="381626" cy="878885"/>
           </a:xfrm>
           <a:prstGeom prst="bentConnector3">
             <a:avLst>
@@ -4688,7 +4672,7 @@
         </p:nvSpPr>
         <p:spPr>
           <a:xfrm>
-            <a:off x="7615738" y="2477656"/>
+            <a:off x="7500128" y="2078628"/>
             <a:ext cx="1259718" cy="346760"/>
           </a:xfrm>
           <a:prstGeom prst="rect">
@@ -4717,7 +4701,7 @@
           <a:p>
             <a:pPr algn="ctr"/>
             <a:r>
-              <a:rPr lang="en-US" sz="1050" b="1" dirty="0" err="1" smtClean="0">
+              <a:rPr lang="en-US" sz="1050" b="1" dirty="0" err="1">
                 <a:solidFill>
                   <a:schemeClr val="accent6">
                     <a:lumMod val="75000"/>
@@ -4744,7 +4728,7 @@
         </p:nvSpPr>
         <p:spPr>
           <a:xfrm>
-            <a:off x="7615738" y="3159624"/>
+            <a:off x="6621243" y="2807014"/>
             <a:ext cx="1259718" cy="346760"/>
           </a:xfrm>
           <a:prstGeom prst="rect">
@@ -4773,14 +4757,34 @@
           <a:p>
             <a:pPr algn="ctr"/>
             <a:r>
-              <a:rPr lang="en-US" sz="1050" b="1" dirty="0" err="1" smtClean="0">
+              <a:rPr lang="en-US" sz="1050" b="1" dirty="0" err="1">
                 <a:solidFill>
                   <a:schemeClr val="accent6">
                     <a:lumMod val="75000"/>
                   </a:schemeClr>
                 </a:solidFill>
               </a:rPr>
-              <a:t>XmlAdaptedPerson</a:t>
+              <a:t>XmlAdapted</a:t>
+            </a:r>
+            <a:endParaRPr lang="en-US" sz="1050" b="1" dirty="0">
+              <a:solidFill>
+                <a:schemeClr val="accent6">
+                  <a:lumMod val="75000"/>
+                </a:schemeClr>
+              </a:solidFill>
+            </a:endParaRPr>
+          </a:p>
+          <a:p>
+            <a:pPr algn="ctr"/>
+            <a:r>
+              <a:rPr lang="en-US" sz="1050" b="1" dirty="0">
+                <a:solidFill>
+                  <a:schemeClr val="accent6">
+                    <a:lumMod val="75000"/>
+                  </a:schemeClr>
+                </a:solidFill>
+              </a:rPr>
+              <a:t>Student</a:t>
             </a:r>
             <a:endParaRPr lang="en-SG" sz="1050" b="1" dirty="0">
               <a:solidFill>
@@ -4803,8 +4807,8 @@
         </p:nvCxnSpPr>
         <p:spPr>
           <a:xfrm flipV="1">
-            <a:off x="7220507" y="3333004"/>
-            <a:ext cx="395231" cy="786"/>
+            <a:off x="6310416" y="2980394"/>
+            <a:ext cx="310827" cy="353396"/>
           </a:xfrm>
           <a:prstGeom prst="bentConnector3">
             <a:avLst>
@@ -4833,6 +4837,749 @@
           </a:fontRef>
         </p:style>
       </p:cxnSp>
+      <p:sp>
+        <p:nvSpPr>
+          <p:cNvPr id="26" name="Rectangle 8">
+            <a:extLst>
+              <a:ext uri="{FF2B5EF4-FFF2-40B4-BE49-F238E27FC236}">
+                <a16:creationId xmlns:a16="http://schemas.microsoft.com/office/drawing/2014/main" id="{E4CCBEFC-4272-406E-A874-AF58F8C09884}"/>
+              </a:ext>
+            </a:extLst>
+          </p:cNvPr>
+          <p:cNvSpPr/>
+          <p:nvPr/>
+        </p:nvSpPr>
+        <p:spPr>
+          <a:xfrm>
+            <a:off x="5835970" y="2078629"/>
+            <a:ext cx="1259718" cy="346760"/>
+          </a:xfrm>
+          <a:prstGeom prst="rect">
+            <a:avLst/>
+          </a:prstGeom>
+          <a:ln w="19050"/>
+          <a:effectLst/>
+        </p:spPr>
+        <p:style>
+          <a:lnRef idx="1">
+            <a:schemeClr val="accent6"/>
+          </a:lnRef>
+          <a:fillRef idx="2">
+            <a:schemeClr val="accent6"/>
+          </a:fillRef>
+          <a:effectRef idx="1">
+            <a:schemeClr val="accent6"/>
+          </a:effectRef>
+          <a:fontRef idx="minor">
+            <a:schemeClr val="dk1"/>
+          </a:fontRef>
+        </p:style>
+        <p:txBody>
+          <a:bodyPr rtlCol="0" anchor="ctr"/>
+          <a:lstStyle/>
+          <a:p>
+            <a:pPr algn="ctr"/>
+            <a:r>
+              <a:rPr lang="en-US" sz="1050" b="1" dirty="0" err="1">
+                <a:solidFill>
+                  <a:schemeClr val="accent6">
+                    <a:lumMod val="75000"/>
+                  </a:schemeClr>
+                </a:solidFill>
+              </a:rPr>
+              <a:t>XmlAdapted</a:t>
+            </a:r>
+            <a:endParaRPr lang="en-US" sz="1050" b="1" dirty="0">
+              <a:solidFill>
+                <a:schemeClr val="accent6">
+                  <a:lumMod val="75000"/>
+                </a:schemeClr>
+              </a:solidFill>
+            </a:endParaRPr>
+          </a:p>
+          <a:p>
+            <a:pPr algn="ctr"/>
+            <a:r>
+              <a:rPr lang="en-US" sz="1050" b="1" dirty="0">
+                <a:solidFill>
+                  <a:schemeClr val="accent6">
+                    <a:lumMod val="75000"/>
+                  </a:schemeClr>
+                </a:solidFill>
+              </a:rPr>
+              <a:t>Feedback</a:t>
+            </a:r>
+            <a:endParaRPr lang="en-SG" sz="1050" b="1" dirty="0">
+              <a:solidFill>
+                <a:schemeClr val="accent6">
+                  <a:lumMod val="75000"/>
+                </a:schemeClr>
+              </a:solidFill>
+            </a:endParaRPr>
+          </a:p>
+        </p:txBody>
+      </p:sp>
+      <p:sp>
+        <p:nvSpPr>
+          <p:cNvPr id="27" name="Rectangle 8">
+            <a:extLst>
+              <a:ext uri="{FF2B5EF4-FFF2-40B4-BE49-F238E27FC236}">
+                <a16:creationId xmlns:a16="http://schemas.microsoft.com/office/drawing/2014/main" id="{805D2E50-4BF2-445D-B50B-342E5C5ACB99}"/>
+              </a:ext>
+            </a:extLst>
+          </p:cNvPr>
+          <p:cNvSpPr/>
+          <p:nvPr/>
+        </p:nvSpPr>
+        <p:spPr>
+          <a:xfrm>
+            <a:off x="6621242" y="4126872"/>
+            <a:ext cx="1259718" cy="346760"/>
+          </a:xfrm>
+          <a:prstGeom prst="rect">
+            <a:avLst/>
+          </a:prstGeom>
+          <a:ln w="19050"/>
+          <a:effectLst/>
+        </p:spPr>
+        <p:style>
+          <a:lnRef idx="1">
+            <a:schemeClr val="accent6"/>
+          </a:lnRef>
+          <a:fillRef idx="2">
+            <a:schemeClr val="accent6"/>
+          </a:fillRef>
+          <a:effectRef idx="1">
+            <a:schemeClr val="accent6"/>
+          </a:effectRef>
+          <a:fontRef idx="minor">
+            <a:schemeClr val="dk1"/>
+          </a:fontRef>
+        </p:style>
+        <p:txBody>
+          <a:bodyPr rtlCol="0" anchor="ctr"/>
+          <a:lstStyle/>
+          <a:p>
+            <a:pPr algn="ctr"/>
+            <a:r>
+              <a:rPr lang="en-US" sz="1050" b="1" dirty="0" err="1">
+                <a:solidFill>
+                  <a:schemeClr val="accent6">
+                    <a:lumMod val="75000"/>
+                  </a:schemeClr>
+                </a:solidFill>
+              </a:rPr>
+              <a:t>XmlAdapted</a:t>
+            </a:r>
+            <a:endParaRPr lang="en-US" sz="1050" b="1" dirty="0">
+              <a:solidFill>
+                <a:schemeClr val="accent6">
+                  <a:lumMod val="75000"/>
+                </a:schemeClr>
+              </a:solidFill>
+            </a:endParaRPr>
+          </a:p>
+          <a:p>
+            <a:pPr algn="ctr"/>
+            <a:r>
+              <a:rPr lang="en-US" sz="1050" b="1" dirty="0">
+                <a:solidFill>
+                  <a:schemeClr val="accent6">
+                    <a:lumMod val="75000"/>
+                  </a:schemeClr>
+                </a:solidFill>
+              </a:rPr>
+              <a:t>Assignment</a:t>
+            </a:r>
+            <a:endParaRPr lang="en-SG" sz="1050" b="1" dirty="0">
+              <a:solidFill>
+                <a:schemeClr val="accent6">
+                  <a:lumMod val="75000"/>
+                </a:schemeClr>
+              </a:solidFill>
+            </a:endParaRPr>
+          </a:p>
+        </p:txBody>
+      </p:sp>
+      <p:sp>
+        <p:nvSpPr>
+          <p:cNvPr id="28" name="Rectangle 8">
+            <a:extLst>
+              <a:ext uri="{FF2B5EF4-FFF2-40B4-BE49-F238E27FC236}">
+                <a16:creationId xmlns:a16="http://schemas.microsoft.com/office/drawing/2014/main" id="{B7D2AE0D-7AA9-451E-B7ED-748BDF596006}"/>
+              </a:ext>
+            </a:extLst>
+          </p:cNvPr>
+          <p:cNvSpPr/>
+          <p:nvPr/>
+        </p:nvSpPr>
+        <p:spPr>
+          <a:xfrm>
+            <a:off x="7500128" y="4803832"/>
+            <a:ext cx="1259718" cy="346760"/>
+          </a:xfrm>
+          <a:prstGeom prst="rect">
+            <a:avLst/>
+          </a:prstGeom>
+          <a:ln w="19050"/>
+          <a:effectLst/>
+        </p:spPr>
+        <p:style>
+          <a:lnRef idx="1">
+            <a:schemeClr val="accent6"/>
+          </a:lnRef>
+          <a:fillRef idx="2">
+            <a:schemeClr val="accent6"/>
+          </a:fillRef>
+          <a:effectRef idx="1">
+            <a:schemeClr val="accent6"/>
+          </a:effectRef>
+          <a:fontRef idx="minor">
+            <a:schemeClr val="dk1"/>
+          </a:fontRef>
+        </p:style>
+        <p:txBody>
+          <a:bodyPr rtlCol="0" anchor="ctr"/>
+          <a:lstStyle/>
+          <a:p>
+            <a:pPr algn="ctr"/>
+            <a:r>
+              <a:rPr lang="en-US" sz="1050" b="1" dirty="0" err="1">
+                <a:solidFill>
+                  <a:schemeClr val="accent6">
+                    <a:lumMod val="75000"/>
+                  </a:schemeClr>
+                </a:solidFill>
+              </a:rPr>
+              <a:t>XmlAdapted</a:t>
+            </a:r>
+            <a:endParaRPr lang="en-US" sz="1050" b="1" dirty="0">
+              <a:solidFill>
+                <a:schemeClr val="accent6">
+                  <a:lumMod val="75000"/>
+                </a:schemeClr>
+              </a:solidFill>
+            </a:endParaRPr>
+          </a:p>
+          <a:p>
+            <a:pPr algn="ctr"/>
+            <a:r>
+              <a:rPr lang="en-US" sz="1050" b="1" dirty="0" err="1">
+                <a:solidFill>
+                  <a:schemeClr val="accent6">
+                    <a:lumMod val="75000"/>
+                  </a:schemeClr>
+                </a:solidFill>
+              </a:rPr>
+              <a:t>GradeBook</a:t>
+            </a:r>
+            <a:endParaRPr lang="en-SG" sz="1050" b="1" dirty="0">
+              <a:solidFill>
+                <a:schemeClr val="accent6">
+                  <a:lumMod val="75000"/>
+                </a:schemeClr>
+              </a:solidFill>
+            </a:endParaRPr>
+          </a:p>
+        </p:txBody>
+      </p:sp>
+      <p:sp>
+        <p:nvSpPr>
+          <p:cNvPr id="29" name="Rectangle 8">
+            <a:extLst>
+              <a:ext uri="{FF2B5EF4-FFF2-40B4-BE49-F238E27FC236}">
+                <a16:creationId xmlns:a16="http://schemas.microsoft.com/office/drawing/2014/main" id="{7BE6E920-2A71-43C2-A84F-82C9BB79EDB3}"/>
+              </a:ext>
+            </a:extLst>
+          </p:cNvPr>
+          <p:cNvSpPr/>
+          <p:nvPr/>
+        </p:nvSpPr>
+        <p:spPr>
+          <a:xfrm>
+            <a:off x="5835970" y="4803832"/>
+            <a:ext cx="1259718" cy="346760"/>
+          </a:xfrm>
+          <a:prstGeom prst="rect">
+            <a:avLst/>
+          </a:prstGeom>
+          <a:ln w="19050"/>
+          <a:effectLst/>
+        </p:spPr>
+        <p:style>
+          <a:lnRef idx="1">
+            <a:schemeClr val="accent6"/>
+          </a:lnRef>
+          <a:fillRef idx="2">
+            <a:schemeClr val="accent6"/>
+          </a:fillRef>
+          <a:effectRef idx="1">
+            <a:schemeClr val="accent6"/>
+          </a:effectRef>
+          <a:fontRef idx="minor">
+            <a:schemeClr val="dk1"/>
+          </a:fontRef>
+        </p:style>
+        <p:txBody>
+          <a:bodyPr rtlCol="0" anchor="ctr"/>
+          <a:lstStyle/>
+          <a:p>
+            <a:pPr algn="ctr"/>
+            <a:r>
+              <a:rPr lang="en-US" sz="1050" b="1" dirty="0" err="1">
+                <a:solidFill>
+                  <a:schemeClr val="accent6">
+                    <a:lumMod val="75000"/>
+                  </a:schemeClr>
+                </a:solidFill>
+              </a:rPr>
+              <a:t>XmlAdaptedTitle</a:t>
+            </a:r>
+            <a:endParaRPr lang="en-SG" sz="1050" b="1" dirty="0">
+              <a:solidFill>
+                <a:schemeClr val="accent6">
+                  <a:lumMod val="75000"/>
+                </a:schemeClr>
+              </a:solidFill>
+            </a:endParaRPr>
+          </a:p>
+        </p:txBody>
+      </p:sp>
+      <p:sp>
+        <p:nvSpPr>
+          <p:cNvPr id="30" name="Rectangle 8">
+            <a:extLst>
+              <a:ext uri="{FF2B5EF4-FFF2-40B4-BE49-F238E27FC236}">
+                <a16:creationId xmlns:a16="http://schemas.microsoft.com/office/drawing/2014/main" id="{FE6D120D-57D3-4AF5-8E2F-1E675454B590}"/>
+              </a:ext>
+            </a:extLst>
+          </p:cNvPr>
+          <p:cNvSpPr/>
+          <p:nvPr/>
+        </p:nvSpPr>
+        <p:spPr>
+          <a:xfrm>
+            <a:off x="6621243" y="3505200"/>
+            <a:ext cx="1259718" cy="346760"/>
+          </a:xfrm>
+          <a:prstGeom prst="rect">
+            <a:avLst/>
+          </a:prstGeom>
+          <a:ln w="19050"/>
+          <a:effectLst/>
+        </p:spPr>
+        <p:style>
+          <a:lnRef idx="1">
+            <a:schemeClr val="accent6"/>
+          </a:lnRef>
+          <a:fillRef idx="2">
+            <a:schemeClr val="accent6"/>
+          </a:fillRef>
+          <a:effectRef idx="1">
+            <a:schemeClr val="accent6"/>
+          </a:effectRef>
+          <a:fontRef idx="minor">
+            <a:schemeClr val="dk1"/>
+          </a:fontRef>
+        </p:style>
+        <p:txBody>
+          <a:bodyPr rtlCol="0" anchor="ctr"/>
+          <a:lstStyle/>
+          <a:p>
+            <a:pPr algn="ctr"/>
+            <a:r>
+              <a:rPr lang="en-US" sz="1050" b="1" dirty="0" err="1">
+                <a:solidFill>
+                  <a:schemeClr val="accent6">
+                    <a:lumMod val="75000"/>
+                  </a:schemeClr>
+                </a:solidFill>
+              </a:rPr>
+              <a:t>XmlAdapted</a:t>
+            </a:r>
+            <a:endParaRPr lang="en-US" sz="1050" b="1" dirty="0">
+              <a:solidFill>
+                <a:schemeClr val="accent6">
+                  <a:lumMod val="75000"/>
+                </a:schemeClr>
+              </a:solidFill>
+            </a:endParaRPr>
+          </a:p>
+          <a:p>
+            <a:pPr algn="ctr"/>
+            <a:r>
+              <a:rPr lang="en-US" sz="1050" b="1" dirty="0" err="1">
+                <a:solidFill>
+                  <a:schemeClr val="accent6">
+                    <a:lumMod val="75000"/>
+                  </a:schemeClr>
+                </a:solidFill>
+              </a:rPr>
+              <a:t>TutorialGroup</a:t>
+            </a:r>
+            <a:endParaRPr lang="en-SG" sz="1050" b="1" dirty="0">
+              <a:solidFill>
+                <a:schemeClr val="accent6">
+                  <a:lumMod val="75000"/>
+                </a:schemeClr>
+              </a:solidFill>
+            </a:endParaRPr>
+          </a:p>
+        </p:txBody>
+      </p:sp>
+      <p:sp>
+        <p:nvSpPr>
+          <p:cNvPr id="31" name="Rectangle 8">
+            <a:extLst>
+              <a:ext uri="{FF2B5EF4-FFF2-40B4-BE49-F238E27FC236}">
+                <a16:creationId xmlns:a16="http://schemas.microsoft.com/office/drawing/2014/main" id="{C15AAEE2-46BC-4263-9B6C-EFA2B86DFA51}"/>
+              </a:ext>
+            </a:extLst>
+          </p:cNvPr>
+          <p:cNvSpPr/>
+          <p:nvPr/>
+        </p:nvSpPr>
+        <p:spPr>
+          <a:xfrm>
+            <a:off x="7500128" y="5358838"/>
+            <a:ext cx="1259718" cy="346760"/>
+          </a:xfrm>
+          <a:prstGeom prst="rect">
+            <a:avLst/>
+          </a:prstGeom>
+          <a:ln w="19050"/>
+          <a:effectLst/>
+        </p:spPr>
+        <p:style>
+          <a:lnRef idx="1">
+            <a:schemeClr val="accent6"/>
+          </a:lnRef>
+          <a:fillRef idx="2">
+            <a:schemeClr val="accent6"/>
+          </a:fillRef>
+          <a:effectRef idx="1">
+            <a:schemeClr val="accent6"/>
+          </a:effectRef>
+          <a:fontRef idx="minor">
+            <a:schemeClr val="dk1"/>
+          </a:fontRef>
+        </p:style>
+        <p:txBody>
+          <a:bodyPr rtlCol="0" anchor="ctr"/>
+          <a:lstStyle/>
+          <a:p>
+            <a:pPr algn="ctr"/>
+            <a:r>
+              <a:rPr lang="en-US" sz="1050" b="1" dirty="0" err="1">
+                <a:solidFill>
+                  <a:schemeClr val="accent6">
+                    <a:lumMod val="75000"/>
+                  </a:schemeClr>
+                </a:solidFill>
+              </a:rPr>
+              <a:t>XmlAdaptedGrade</a:t>
+            </a:r>
+            <a:endParaRPr lang="en-SG" sz="1050" b="1" dirty="0">
+              <a:solidFill>
+                <a:schemeClr val="accent6">
+                  <a:lumMod val="75000"/>
+                </a:schemeClr>
+              </a:solidFill>
+            </a:endParaRPr>
+          </a:p>
+        </p:txBody>
+      </p:sp>
+      <p:cxnSp>
+        <p:nvCxnSpPr>
+          <p:cNvPr id="39" name="Elbow Connector 122">
+            <a:extLst>
+              <a:ext uri="{FF2B5EF4-FFF2-40B4-BE49-F238E27FC236}">
+                <a16:creationId xmlns:a16="http://schemas.microsoft.com/office/drawing/2014/main" id="{7E3B7E47-DD43-4C83-8B13-9D536A0E7C74}"/>
+              </a:ext>
+            </a:extLst>
+          </p:cNvPr>
+          <p:cNvCxnSpPr>
+            <a:cxnSpLocks/>
+            <a:stCxn id="66" idx="3"/>
+            <a:endCxn id="30" idx="1"/>
+          </p:cNvCxnSpPr>
+          <p:nvPr/>
+        </p:nvCxnSpPr>
+        <p:spPr>
+          <a:xfrm>
+            <a:off x="6310416" y="3333790"/>
+            <a:ext cx="310827" cy="344790"/>
+          </a:xfrm>
+          <a:prstGeom prst="bentConnector3">
+            <a:avLst>
+              <a:gd name="adj1" fmla="val 50000"/>
+            </a:avLst>
+          </a:prstGeom>
+          <a:ln w="19050">
+            <a:prstDash val="sysDot"/>
+            <a:headEnd type="none" w="med" len="med"/>
+            <a:tailEnd type="arrow" w="med" len="med"/>
+          </a:ln>
+          <a:effectLst/>
+        </p:spPr>
+        <p:style>
+          <a:lnRef idx="1">
+            <a:schemeClr val="accent6"/>
+          </a:lnRef>
+          <a:fillRef idx="2">
+            <a:schemeClr val="accent6"/>
+          </a:fillRef>
+          <a:effectRef idx="1">
+            <a:schemeClr val="accent6"/>
+          </a:effectRef>
+          <a:fontRef idx="minor">
+            <a:schemeClr val="dk1"/>
+          </a:fontRef>
+        </p:style>
+      </p:cxnSp>
+      <p:cxnSp>
+        <p:nvCxnSpPr>
+          <p:cNvPr id="45" name="Elbow Connector 122">
+            <a:extLst>
+              <a:ext uri="{FF2B5EF4-FFF2-40B4-BE49-F238E27FC236}">
+                <a16:creationId xmlns:a16="http://schemas.microsoft.com/office/drawing/2014/main" id="{2F3639F7-7B39-4948-9135-6CACEEDCE75A}"/>
+              </a:ext>
+            </a:extLst>
+          </p:cNvPr>
+          <p:cNvCxnSpPr>
+            <a:cxnSpLocks/>
+            <a:stCxn id="74" idx="0"/>
+            <a:endCxn id="26" idx="2"/>
+          </p:cNvCxnSpPr>
+          <p:nvPr/>
+        </p:nvCxnSpPr>
+        <p:spPr>
+          <a:xfrm rot="16200000" flipV="1">
+            <a:off x="6667654" y="2223565"/>
+            <a:ext cx="381625" cy="785273"/>
+          </a:xfrm>
+          <a:prstGeom prst="bentConnector3">
+            <a:avLst>
+              <a:gd name="adj1" fmla="val 50000"/>
+            </a:avLst>
+          </a:prstGeom>
+          <a:ln w="19050">
+            <a:prstDash val="sysDot"/>
+            <a:headEnd type="none" w="med" len="med"/>
+            <a:tailEnd type="arrow" w="med" len="med"/>
+          </a:ln>
+          <a:effectLst/>
+        </p:spPr>
+        <p:style>
+          <a:lnRef idx="1">
+            <a:schemeClr val="accent6"/>
+          </a:lnRef>
+          <a:fillRef idx="2">
+            <a:schemeClr val="accent6"/>
+          </a:fillRef>
+          <a:effectRef idx="1">
+            <a:schemeClr val="accent6"/>
+          </a:effectRef>
+          <a:fontRef idx="minor">
+            <a:schemeClr val="dk1"/>
+          </a:fontRef>
+        </p:style>
+      </p:cxnSp>
+      <p:cxnSp>
+        <p:nvCxnSpPr>
+          <p:cNvPr id="53" name="Elbow Connector 122">
+            <a:extLst>
+              <a:ext uri="{FF2B5EF4-FFF2-40B4-BE49-F238E27FC236}">
+                <a16:creationId xmlns:a16="http://schemas.microsoft.com/office/drawing/2014/main" id="{12A94558-904E-4C3A-80FA-B097CFDB1306}"/>
+              </a:ext>
+            </a:extLst>
+          </p:cNvPr>
+          <p:cNvCxnSpPr>
+            <a:cxnSpLocks/>
+            <a:stCxn id="30" idx="2"/>
+            <a:endCxn id="27" idx="0"/>
+          </p:cNvCxnSpPr>
+          <p:nvPr/>
+        </p:nvCxnSpPr>
+        <p:spPr>
+          <a:xfrm rot="5400000">
+            <a:off x="7113646" y="3989416"/>
+            <a:ext cx="274912" cy="1"/>
+          </a:xfrm>
+          <a:prstGeom prst="bentConnector3">
+            <a:avLst>
+              <a:gd name="adj1" fmla="val 50000"/>
+            </a:avLst>
+          </a:prstGeom>
+          <a:ln w="19050">
+            <a:prstDash val="sysDot"/>
+            <a:headEnd type="none" w="med" len="med"/>
+            <a:tailEnd type="arrow" w="med" len="med"/>
+          </a:ln>
+          <a:effectLst/>
+        </p:spPr>
+        <p:style>
+          <a:lnRef idx="1">
+            <a:schemeClr val="accent6"/>
+          </a:lnRef>
+          <a:fillRef idx="2">
+            <a:schemeClr val="accent6"/>
+          </a:fillRef>
+          <a:effectRef idx="1">
+            <a:schemeClr val="accent6"/>
+          </a:effectRef>
+          <a:fontRef idx="minor">
+            <a:schemeClr val="dk1"/>
+          </a:fontRef>
+        </p:style>
+      </p:cxnSp>
+      <p:cxnSp>
+        <p:nvCxnSpPr>
+          <p:cNvPr id="59" name="Elbow Connector 122">
+            <a:extLst>
+              <a:ext uri="{FF2B5EF4-FFF2-40B4-BE49-F238E27FC236}">
+                <a16:creationId xmlns:a16="http://schemas.microsoft.com/office/drawing/2014/main" id="{7F17AC12-1D63-47CC-951E-07EA498AA431}"/>
+              </a:ext>
+            </a:extLst>
+          </p:cNvPr>
+          <p:cNvCxnSpPr>
+            <a:cxnSpLocks/>
+            <a:stCxn id="27" idx="2"/>
+            <a:endCxn id="29" idx="0"/>
+          </p:cNvCxnSpPr>
+          <p:nvPr/>
+        </p:nvCxnSpPr>
+        <p:spPr>
+          <a:xfrm rot="5400000">
+            <a:off x="6693365" y="4246096"/>
+            <a:ext cx="330200" cy="785272"/>
+          </a:xfrm>
+          <a:prstGeom prst="bentConnector3">
+            <a:avLst>
+              <a:gd name="adj1" fmla="val 50000"/>
+            </a:avLst>
+          </a:prstGeom>
+          <a:ln w="19050">
+            <a:prstDash val="sysDot"/>
+            <a:headEnd type="none" w="med" len="med"/>
+            <a:tailEnd type="arrow" w="med" len="med"/>
+          </a:ln>
+          <a:effectLst/>
+        </p:spPr>
+        <p:style>
+          <a:lnRef idx="1">
+            <a:schemeClr val="accent6"/>
+          </a:lnRef>
+          <a:fillRef idx="2">
+            <a:schemeClr val="accent6"/>
+          </a:fillRef>
+          <a:effectRef idx="1">
+            <a:schemeClr val="accent6"/>
+          </a:effectRef>
+          <a:fontRef idx="minor">
+            <a:schemeClr val="dk1"/>
+          </a:fontRef>
+        </p:style>
+      </p:cxnSp>
+      <p:cxnSp>
+        <p:nvCxnSpPr>
+          <p:cNvPr id="63" name="Elbow Connector 122">
+            <a:extLst>
+              <a:ext uri="{FF2B5EF4-FFF2-40B4-BE49-F238E27FC236}">
+                <a16:creationId xmlns:a16="http://schemas.microsoft.com/office/drawing/2014/main" id="{9C36BB3E-D8D3-4CD4-8161-5E670F4CD259}"/>
+              </a:ext>
+            </a:extLst>
+          </p:cNvPr>
+          <p:cNvCxnSpPr>
+            <a:cxnSpLocks/>
+            <a:stCxn id="27" idx="2"/>
+            <a:endCxn id="28" idx="0"/>
+          </p:cNvCxnSpPr>
+          <p:nvPr/>
+        </p:nvCxnSpPr>
+        <p:spPr>
+          <a:xfrm rot="16200000" flipH="1">
+            <a:off x="7525444" y="4199289"/>
+            <a:ext cx="330200" cy="878886"/>
+          </a:xfrm>
+          <a:prstGeom prst="bentConnector3">
+            <a:avLst>
+              <a:gd name="adj1" fmla="val 50000"/>
+            </a:avLst>
+          </a:prstGeom>
+          <a:ln w="19050">
+            <a:solidFill>
+              <a:srgbClr val="F69240"/>
+            </a:solidFill>
+            <a:prstDash val="sysDot"/>
+            <a:headEnd type="none" w="med" len="med"/>
+            <a:tailEnd type="arrow" w="med" len="med"/>
+          </a:ln>
+          <a:effectLst/>
+        </p:spPr>
+        <p:style>
+          <a:lnRef idx="1">
+            <a:schemeClr val="accent6"/>
+          </a:lnRef>
+          <a:fillRef idx="2">
+            <a:schemeClr val="accent6"/>
+          </a:fillRef>
+          <a:effectRef idx="1">
+            <a:schemeClr val="accent6"/>
+          </a:effectRef>
+          <a:fontRef idx="minor">
+            <a:schemeClr val="dk1"/>
+          </a:fontRef>
+        </p:style>
+      </p:cxnSp>
+      <p:cxnSp>
+        <p:nvCxnSpPr>
+          <p:cNvPr id="82" name="Straight Arrow Connector 81">
+            <a:extLst>
+              <a:ext uri="{FF2B5EF4-FFF2-40B4-BE49-F238E27FC236}">
+                <a16:creationId xmlns:a16="http://schemas.microsoft.com/office/drawing/2014/main" id="{C75B8BAB-1F44-4614-AC3F-2C60CA075474}"/>
+              </a:ext>
+            </a:extLst>
+          </p:cNvPr>
+          <p:cNvCxnSpPr>
+            <a:cxnSpLocks/>
+            <a:stCxn id="28" idx="2"/>
+            <a:endCxn id="31" idx="0"/>
+          </p:cNvCxnSpPr>
+          <p:nvPr/>
+        </p:nvCxnSpPr>
+        <p:spPr>
+          <a:xfrm>
+            <a:off x="8129987" y="5150592"/>
+            <a:ext cx="0" cy="208246"/>
+          </a:xfrm>
+          <a:prstGeom prst="straightConnector1">
+            <a:avLst/>
+          </a:prstGeom>
+          <a:ln w="19050">
+            <a:solidFill>
+              <a:srgbClr val="F69240"/>
+            </a:solidFill>
+            <a:prstDash val="sysDot"/>
+            <a:headEnd type="none" w="med" len="med"/>
+            <a:tailEnd type="arrow" w="med" len="med"/>
+          </a:ln>
+        </p:spPr>
+        <p:style>
+          <a:lnRef idx="1">
+            <a:schemeClr val="accent1"/>
+          </a:lnRef>
+          <a:fillRef idx="0">
+            <a:schemeClr val="accent1"/>
+          </a:fillRef>
+          <a:effectRef idx="0">
+            <a:schemeClr val="accent1"/>
+          </a:effectRef>
+          <a:fontRef idx="minor">
+            <a:schemeClr val="tx1"/>
+          </a:fontRef>
+        </p:style>
+      </p:cxnSp>
     </p:spTree>
     <p:extLst>
       <p:ext uri="{BB962C8B-B14F-4D97-AF65-F5344CB8AC3E}">
@@ -4843,13 +5590,6 @@
   <p:clrMapOvr>
     <a:masterClrMapping/>
   </p:clrMapOvr>
-  <p:timing>
-    <p:tnLst>
-      <p:par>
-        <p:cTn id="1" dur="indefinite" restart="never" nodeType="tmRoot"/>
-      </p:par>
-    </p:tnLst>
-  </p:timing>
 </p:sld>
 </file>
 

--- a/docs/diagrams/StorageComponentClassDiagram.pptx
+++ b/docs/diagrams/StorageComponentClassDiagram.pptx
@@ -208,7 +208,7 @@
           <a:p>
             <a:fld id="{F5CC4B3F-88C1-4FFA-B1B6-F41C21DC6924}" type="datetimeFigureOut">
               <a:rPr lang="en-US" smtClean="0"/>
-              <a:t>10/30/2018</a:t>
+              <a:t>11/12/18</a:t>
             </a:fld>
             <a:endParaRPr lang="en-US"/>
           </a:p>
@@ -654,7 +654,7 @@
           <a:p>
             <a:fld id="{78C97017-6FC3-485B-9764-EAC9E56C1D49}" type="datetimeFigureOut">
               <a:rPr lang="en-US" smtClean="0"/>
-              <a:t>10/30/2018</a:t>
+              <a:t>11/12/18</a:t>
             </a:fld>
             <a:endParaRPr lang="en-US"/>
           </a:p>
@@ -822,7 +822,7 @@
           <a:p>
             <a:fld id="{78C97017-6FC3-485B-9764-EAC9E56C1D49}" type="datetimeFigureOut">
               <a:rPr lang="en-US" smtClean="0"/>
-              <a:t>10/30/2018</a:t>
+              <a:t>11/12/18</a:t>
             </a:fld>
             <a:endParaRPr lang="en-US"/>
           </a:p>
@@ -1000,7 +1000,7 @@
           <a:p>
             <a:fld id="{78C97017-6FC3-485B-9764-EAC9E56C1D49}" type="datetimeFigureOut">
               <a:rPr lang="en-US" smtClean="0"/>
-              <a:t>10/30/2018</a:t>
+              <a:t>11/12/18</a:t>
             </a:fld>
             <a:endParaRPr lang="en-US"/>
           </a:p>
@@ -1168,7 +1168,7 @@
           <a:p>
             <a:fld id="{78C97017-6FC3-485B-9764-EAC9E56C1D49}" type="datetimeFigureOut">
               <a:rPr lang="en-US" smtClean="0"/>
-              <a:t>10/30/2018</a:t>
+              <a:t>11/12/18</a:t>
             </a:fld>
             <a:endParaRPr lang="en-US"/>
           </a:p>
@@ -1413,7 +1413,7 @@
           <a:p>
             <a:fld id="{78C97017-6FC3-485B-9764-EAC9E56C1D49}" type="datetimeFigureOut">
               <a:rPr lang="en-US" smtClean="0"/>
-              <a:t>10/30/2018</a:t>
+              <a:t>11/12/18</a:t>
             </a:fld>
             <a:endParaRPr lang="en-US"/>
           </a:p>
@@ -1698,7 +1698,7 @@
           <a:p>
             <a:fld id="{78C97017-6FC3-485B-9764-EAC9E56C1D49}" type="datetimeFigureOut">
               <a:rPr lang="en-US" smtClean="0"/>
-              <a:t>10/30/2018</a:t>
+              <a:t>11/12/18</a:t>
             </a:fld>
             <a:endParaRPr lang="en-US"/>
           </a:p>
@@ -2117,7 +2117,7 @@
           <a:p>
             <a:fld id="{78C97017-6FC3-485B-9764-EAC9E56C1D49}" type="datetimeFigureOut">
               <a:rPr lang="en-US" smtClean="0"/>
-              <a:t>10/30/2018</a:t>
+              <a:t>11/12/18</a:t>
             </a:fld>
             <a:endParaRPr lang="en-US"/>
           </a:p>
@@ -2234,7 +2234,7 @@
           <a:p>
             <a:fld id="{78C97017-6FC3-485B-9764-EAC9E56C1D49}" type="datetimeFigureOut">
               <a:rPr lang="en-US" smtClean="0"/>
-              <a:t>10/30/2018</a:t>
+              <a:t>11/12/18</a:t>
             </a:fld>
             <a:endParaRPr lang="en-US"/>
           </a:p>
@@ -2329,7 +2329,7 @@
           <a:p>
             <a:fld id="{78C97017-6FC3-485B-9764-EAC9E56C1D49}" type="datetimeFigureOut">
               <a:rPr lang="en-US" smtClean="0"/>
-              <a:t>10/30/2018</a:t>
+              <a:t>11/12/18</a:t>
             </a:fld>
             <a:endParaRPr lang="en-US"/>
           </a:p>
@@ -2604,7 +2604,7 @@
           <a:p>
             <a:fld id="{78C97017-6FC3-485B-9764-EAC9E56C1D49}" type="datetimeFigureOut">
               <a:rPr lang="en-US" smtClean="0"/>
-              <a:t>10/30/2018</a:t>
+              <a:t>11/12/18</a:t>
             </a:fld>
             <a:endParaRPr lang="en-US"/>
           </a:p>
@@ -2856,7 +2856,7 @@
           <a:p>
             <a:fld id="{78C97017-6FC3-485B-9764-EAC9E56C1D49}" type="datetimeFigureOut">
               <a:rPr lang="en-US" smtClean="0"/>
-              <a:t>10/30/2018</a:t>
+              <a:t>11/12/18</a:t>
             </a:fld>
             <a:endParaRPr lang="en-US"/>
           </a:p>
@@ -3067,7 +3067,7 @@
           <a:p>
             <a:fld id="{78C97017-6FC3-485B-9764-EAC9E56C1D49}" type="datetimeFigureOut">
               <a:rPr lang="en-US" smtClean="0"/>
-              <a:t>10/30/2018</a:t>
+              <a:t>11/12/18</a:t>
             </a:fld>
             <a:endParaRPr lang="en-US"/>
           </a:p>
@@ -3451,7 +3451,7 @@
         <p:spPr>
           <a:xfrm>
             <a:off x="237096" y="1912984"/>
-            <a:ext cx="8678304" cy="4030616"/>
+            <a:ext cx="9287904" cy="4030616"/>
           </a:xfrm>
           <a:prstGeom prst="roundRect">
             <a:avLst>
@@ -4933,7 +4933,7 @@
         </p:nvSpPr>
         <p:spPr>
           <a:xfrm>
-            <a:off x="6621242" y="4126872"/>
+            <a:off x="5431532" y="4174487"/>
             <a:ext cx="1259718" cy="346760"/>
           </a:xfrm>
           <a:prstGeom prst="rect">
@@ -5015,7 +5015,7 @@
         </p:nvSpPr>
         <p:spPr>
           <a:xfrm>
-            <a:off x="7500128" y="4803832"/>
+            <a:off x="6310418" y="4851447"/>
             <a:ext cx="1259718" cy="346760"/>
           </a:xfrm>
           <a:prstGeom prst="rect">
@@ -5097,7 +5097,7 @@
         </p:nvSpPr>
         <p:spPr>
           <a:xfrm>
-            <a:off x="5835970" y="4803832"/>
+            <a:off x="4646260" y="4851447"/>
             <a:ext cx="1259718" cy="346760"/>
           </a:xfrm>
           <a:prstGeom prst="rect">
@@ -5241,7 +5241,7 @@
         </p:nvSpPr>
         <p:spPr>
           <a:xfrm>
-            <a:off x="7500128" y="5358838"/>
+            <a:off x="6310418" y="5406453"/>
             <a:ext cx="1259718" cy="346760"/>
           </a:xfrm>
           <a:prstGeom prst="rect">
@@ -5403,8 +5403,8 @@
         </p:nvCxnSpPr>
         <p:spPr>
           <a:xfrm rot="5400000">
-            <a:off x="7113646" y="3989416"/>
-            <a:ext cx="274912" cy="1"/>
+            <a:off x="6494984" y="3418368"/>
+            <a:ext cx="322527" cy="1189711"/>
           </a:xfrm>
           <a:prstGeom prst="bentConnector3">
             <a:avLst>
@@ -5451,7 +5451,7 @@
         </p:nvCxnSpPr>
         <p:spPr>
           <a:xfrm rot="5400000">
-            <a:off x="6693365" y="4246096"/>
+            <a:off x="5503655" y="4293711"/>
             <a:ext cx="330200" cy="785272"/>
           </a:xfrm>
           <a:prstGeom prst="bentConnector3">
@@ -5499,7 +5499,7 @@
         </p:nvCxnSpPr>
         <p:spPr>
           <a:xfrm rot="16200000" flipH="1">
-            <a:off x="7525444" y="4199289"/>
+            <a:off x="6335734" y="4246904"/>
             <a:ext cx="330200" cy="878886"/>
           </a:xfrm>
           <a:prstGeom prst="bentConnector3">
@@ -5550,7 +5550,7 @@
         </p:nvCxnSpPr>
         <p:spPr>
           <a:xfrm>
-            <a:off x="8129987" y="5150592"/>
+            <a:off x="6940277" y="5198207"/>
             <a:ext cx="0" cy="208246"/>
           </a:xfrm>
           <a:prstGeom prst="straightConnector1">
@@ -5577,6 +5577,246 @@
           </a:effectRef>
           <a:fontRef idx="minor">
             <a:schemeClr val="tx1"/>
+          </a:fontRef>
+        </p:style>
+      </p:cxnSp>
+      <p:sp>
+        <p:nvSpPr>
+          <p:cNvPr id="46" name="Rectangle 8">
+            <a:extLst>
+              <a:ext uri="{FF2B5EF4-FFF2-40B4-BE49-F238E27FC236}">
+                <a16:creationId xmlns:a16="http://schemas.microsoft.com/office/drawing/2014/main" id="{22BF4BDE-DADD-7847-845E-E75CE71194DC}"/>
+              </a:ext>
+            </a:extLst>
+          </p:cNvPr>
+          <p:cNvSpPr/>
+          <p:nvPr/>
+        </p:nvSpPr>
+        <p:spPr>
+          <a:xfrm>
+            <a:off x="8025046" y="4159781"/>
+            <a:ext cx="1259718" cy="346760"/>
+          </a:xfrm>
+          <a:prstGeom prst="rect">
+            <a:avLst/>
+          </a:prstGeom>
+          <a:ln w="19050"/>
+          <a:effectLst/>
+        </p:spPr>
+        <p:style>
+          <a:lnRef idx="1">
+            <a:schemeClr val="accent6"/>
+          </a:lnRef>
+          <a:fillRef idx="2">
+            <a:schemeClr val="accent6"/>
+          </a:fillRef>
+          <a:effectRef idx="1">
+            <a:schemeClr val="accent6"/>
+          </a:effectRef>
+          <a:fontRef idx="minor">
+            <a:schemeClr val="dk1"/>
+          </a:fontRef>
+        </p:style>
+        <p:txBody>
+          <a:bodyPr rtlCol="0" anchor="ctr"/>
+          <a:lstStyle/>
+          <a:p>
+            <a:pPr algn="ctr"/>
+            <a:r>
+              <a:rPr lang="en-US" sz="1050" b="1" dirty="0" err="1">
+                <a:solidFill>
+                  <a:schemeClr val="accent6">
+                    <a:lumMod val="75000"/>
+                  </a:schemeClr>
+                </a:solidFill>
+              </a:rPr>
+              <a:t>XmlAdapted</a:t>
+            </a:r>
+            <a:endParaRPr lang="en-US" sz="1050" b="1" dirty="0">
+              <a:solidFill>
+                <a:schemeClr val="accent6">
+                  <a:lumMod val="75000"/>
+                </a:schemeClr>
+              </a:solidFill>
+            </a:endParaRPr>
+          </a:p>
+          <a:p>
+            <a:pPr algn="ctr"/>
+            <a:r>
+              <a:rPr lang="en-US" sz="1050" b="1" dirty="0">
+                <a:solidFill>
+                  <a:schemeClr val="accent6">
+                    <a:lumMod val="75000"/>
+                  </a:schemeClr>
+                </a:solidFill>
+              </a:rPr>
+              <a:t>Session</a:t>
+            </a:r>
+            <a:endParaRPr lang="en-SG" sz="1050" b="1" dirty="0">
+              <a:solidFill>
+                <a:schemeClr val="accent6">
+                  <a:lumMod val="75000"/>
+                </a:schemeClr>
+              </a:solidFill>
+            </a:endParaRPr>
+          </a:p>
+        </p:txBody>
+      </p:sp>
+      <p:sp>
+        <p:nvSpPr>
+          <p:cNvPr id="49" name="Rectangle 8">
+            <a:extLst>
+              <a:ext uri="{FF2B5EF4-FFF2-40B4-BE49-F238E27FC236}">
+                <a16:creationId xmlns:a16="http://schemas.microsoft.com/office/drawing/2014/main" id="{F4210026-2700-5547-86D4-19F552B1DBE4}"/>
+              </a:ext>
+            </a:extLst>
+          </p:cNvPr>
+          <p:cNvSpPr/>
+          <p:nvPr/>
+        </p:nvSpPr>
+        <p:spPr>
+          <a:xfrm>
+            <a:off x="7944132" y="4833735"/>
+            <a:ext cx="1434246" cy="346760"/>
+          </a:xfrm>
+          <a:prstGeom prst="rect">
+            <a:avLst/>
+          </a:prstGeom>
+          <a:ln w="19050"/>
+          <a:effectLst/>
+        </p:spPr>
+        <p:style>
+          <a:lnRef idx="1">
+            <a:schemeClr val="accent6"/>
+          </a:lnRef>
+          <a:fillRef idx="2">
+            <a:schemeClr val="accent6"/>
+          </a:fillRef>
+          <a:effectRef idx="1">
+            <a:schemeClr val="accent6"/>
+          </a:effectRef>
+          <a:fontRef idx="minor">
+            <a:schemeClr val="dk1"/>
+          </a:fontRef>
+        </p:style>
+        <p:txBody>
+          <a:bodyPr rtlCol="0" anchor="ctr"/>
+          <a:lstStyle/>
+          <a:p>
+            <a:pPr algn="ctr"/>
+            <a:r>
+              <a:rPr lang="en-US" sz="1050" b="1" dirty="0" err="1">
+                <a:solidFill>
+                  <a:schemeClr val="accent6">
+                    <a:lumMod val="75000"/>
+                  </a:schemeClr>
+                </a:solidFill>
+              </a:rPr>
+              <a:t>XmlAdaptedAttendance</a:t>
+            </a:r>
+            <a:endParaRPr lang="en-SG" sz="1050" b="1" dirty="0">
+              <a:solidFill>
+                <a:schemeClr val="accent6">
+                  <a:lumMod val="75000"/>
+                </a:schemeClr>
+              </a:solidFill>
+            </a:endParaRPr>
+          </a:p>
+        </p:txBody>
+      </p:sp>
+      <p:cxnSp>
+        <p:nvCxnSpPr>
+          <p:cNvPr id="51" name="Elbow Connector 122">
+            <a:extLst>
+              <a:ext uri="{FF2B5EF4-FFF2-40B4-BE49-F238E27FC236}">
+                <a16:creationId xmlns:a16="http://schemas.microsoft.com/office/drawing/2014/main" id="{817E7D21-7028-AB43-9692-11B08A9FD5D8}"/>
+              </a:ext>
+            </a:extLst>
+          </p:cNvPr>
+          <p:cNvCxnSpPr>
+            <a:cxnSpLocks/>
+            <a:endCxn id="46" idx="0"/>
+          </p:cNvCxnSpPr>
+          <p:nvPr/>
+        </p:nvCxnSpPr>
+        <p:spPr>
+          <a:xfrm>
+            <a:off x="7251101" y="4001108"/>
+            <a:ext cx="1403804" cy="158673"/>
+          </a:xfrm>
+          <a:prstGeom prst="bentConnector2">
+            <a:avLst/>
+          </a:prstGeom>
+          <a:ln w="19050">
+            <a:prstDash val="sysDot"/>
+            <a:headEnd type="none" w="med" len="med"/>
+            <a:tailEnd type="arrow" w="med" len="med"/>
+          </a:ln>
+          <a:effectLst/>
+        </p:spPr>
+        <p:style>
+          <a:lnRef idx="1">
+            <a:schemeClr val="accent6"/>
+          </a:lnRef>
+          <a:fillRef idx="2">
+            <a:schemeClr val="accent6"/>
+          </a:fillRef>
+          <a:effectRef idx="1">
+            <a:schemeClr val="accent6"/>
+          </a:effectRef>
+          <a:fontRef idx="minor">
+            <a:schemeClr val="dk1"/>
+          </a:fontRef>
+        </p:style>
+      </p:cxnSp>
+      <p:cxnSp>
+        <p:nvCxnSpPr>
+          <p:cNvPr id="64" name="Elbow Connector 122">
+            <a:extLst>
+              <a:ext uri="{FF2B5EF4-FFF2-40B4-BE49-F238E27FC236}">
+                <a16:creationId xmlns:a16="http://schemas.microsoft.com/office/drawing/2014/main" id="{BE35DAF9-EE04-3344-9730-C7054D690D79}"/>
+              </a:ext>
+            </a:extLst>
+          </p:cNvPr>
+          <p:cNvCxnSpPr>
+            <a:cxnSpLocks/>
+          </p:cNvCxnSpPr>
+          <p:nvPr/>
+        </p:nvCxnSpPr>
+        <p:spPr>
+          <a:xfrm rot="5400000">
+            <a:off x="8493479" y="4655765"/>
+            <a:ext cx="322852" cy="12700"/>
+          </a:xfrm>
+          <a:prstGeom prst="bentConnector3">
+            <a:avLst>
+              <a:gd name="adj1" fmla="val -155"/>
+            </a:avLst>
+          </a:prstGeom>
+          <a:ln w="19050">
+            <a:solidFill>
+              <a:schemeClr val="accent6">
+                <a:lumMod val="75000"/>
+              </a:schemeClr>
+            </a:solidFill>
+            <a:prstDash val="sysDot"/>
+            <a:headEnd type="none" w="med" len="med"/>
+            <a:tailEnd type="arrow" w="med" len="med"/>
+          </a:ln>
+          <a:effectLst/>
+        </p:spPr>
+        <p:style>
+          <a:lnRef idx="1">
+            <a:schemeClr val="accent2"/>
+          </a:lnRef>
+          <a:fillRef idx="2">
+            <a:schemeClr val="accent2"/>
+          </a:fillRef>
+          <a:effectRef idx="1">
+            <a:schemeClr val="accent2"/>
+          </a:effectRef>
+          <a:fontRef idx="minor">
+            <a:schemeClr val="dk1"/>
           </a:fontRef>
         </p:style>
       </p:cxnSp>

--- a/docs/diagrams/StorageComponentClassDiagram.pptx
+++ b/docs/diagrams/StorageComponentClassDiagram.pptx
@@ -5676,8 +5676,8 @@
         </p:nvSpPr>
         <p:spPr>
           <a:xfrm>
-            <a:off x="7944132" y="4833735"/>
-            <a:ext cx="1434246" cy="346760"/>
+            <a:off x="7835610" y="4833735"/>
+            <a:ext cx="1651290" cy="346760"/>
           </a:xfrm>
           <a:prstGeom prst="rect">
             <a:avLst/>
